--- a/CPP(2~12)/12_프로젝트.pptx
+++ b/CPP(2~12)/12_프로젝트.pptx
@@ -212,7 +212,7 @@
           <a:p>
             <a:fld id="{2229C11E-4EF0-425E-89BA-56B170901842}" type="datetimeFigureOut">
               <a:rPr lang="ko-KR" altLang="en-US" smtClean="0"/>
-              <a:t>2023-09-15</a:t>
+              <a:t>2024-01-31</a:t>
             </a:fld>
             <a:endParaRPr lang="ko-KR" altLang="en-US"/>
           </a:p>
@@ -1450,7 +1450,7 @@
           <a:p>
             <a:fld id="{9C6F2426-F011-4048-96E6-328581C59A1B}" type="datetimeFigureOut">
               <a:rPr lang="ko-KR" altLang="en-US" smtClean="0"/>
-              <a:t>2023-09-15</a:t>
+              <a:t>2024-01-31</a:t>
             </a:fld>
             <a:endParaRPr lang="ko-KR" altLang="en-US"/>
           </a:p>
@@ -1648,7 +1648,7 @@
           <a:p>
             <a:fld id="{9C6F2426-F011-4048-96E6-328581C59A1B}" type="datetimeFigureOut">
               <a:rPr lang="ko-KR" altLang="en-US" smtClean="0"/>
-              <a:t>2023-09-15</a:t>
+              <a:t>2024-01-31</a:t>
             </a:fld>
             <a:endParaRPr lang="ko-KR" altLang="en-US"/>
           </a:p>
@@ -1856,7 +1856,7 @@
           <a:p>
             <a:fld id="{9C6F2426-F011-4048-96E6-328581C59A1B}" type="datetimeFigureOut">
               <a:rPr lang="ko-KR" altLang="en-US" smtClean="0"/>
-              <a:t>2023-09-15</a:t>
+              <a:t>2024-01-31</a:t>
             </a:fld>
             <a:endParaRPr lang="ko-KR" altLang="en-US"/>
           </a:p>
@@ -2054,7 +2054,7 @@
           <a:p>
             <a:fld id="{9C6F2426-F011-4048-96E6-328581C59A1B}" type="datetimeFigureOut">
               <a:rPr lang="ko-KR" altLang="en-US" smtClean="0"/>
-              <a:t>2023-09-15</a:t>
+              <a:t>2024-01-31</a:t>
             </a:fld>
             <a:endParaRPr lang="ko-KR" altLang="en-US"/>
           </a:p>
@@ -2329,7 +2329,7 @@
           <a:p>
             <a:fld id="{9C6F2426-F011-4048-96E6-328581C59A1B}" type="datetimeFigureOut">
               <a:rPr lang="ko-KR" altLang="en-US" smtClean="0"/>
-              <a:t>2023-09-15</a:t>
+              <a:t>2024-01-31</a:t>
             </a:fld>
             <a:endParaRPr lang="ko-KR" altLang="en-US"/>
           </a:p>
@@ -2594,7 +2594,7 @@
           <a:p>
             <a:fld id="{9C6F2426-F011-4048-96E6-328581C59A1B}" type="datetimeFigureOut">
               <a:rPr lang="ko-KR" altLang="en-US" smtClean="0"/>
-              <a:t>2023-09-15</a:t>
+              <a:t>2024-01-31</a:t>
             </a:fld>
             <a:endParaRPr lang="ko-KR" altLang="en-US"/>
           </a:p>
@@ -3006,7 +3006,7 @@
           <a:p>
             <a:fld id="{9C6F2426-F011-4048-96E6-328581C59A1B}" type="datetimeFigureOut">
               <a:rPr lang="ko-KR" altLang="en-US" smtClean="0"/>
-              <a:t>2023-09-15</a:t>
+              <a:t>2024-01-31</a:t>
             </a:fld>
             <a:endParaRPr lang="ko-KR" altLang="en-US"/>
           </a:p>
@@ -3147,7 +3147,7 @@
           <a:p>
             <a:fld id="{9C6F2426-F011-4048-96E6-328581C59A1B}" type="datetimeFigureOut">
               <a:rPr lang="ko-KR" altLang="en-US" smtClean="0"/>
-              <a:t>2023-09-15</a:t>
+              <a:t>2024-01-31</a:t>
             </a:fld>
             <a:endParaRPr lang="ko-KR" altLang="en-US"/>
           </a:p>
@@ -3260,7 +3260,7 @@
           <a:p>
             <a:fld id="{9C6F2426-F011-4048-96E6-328581C59A1B}" type="datetimeFigureOut">
               <a:rPr lang="ko-KR" altLang="en-US" smtClean="0"/>
-              <a:t>2023-09-15</a:t>
+              <a:t>2024-01-31</a:t>
             </a:fld>
             <a:endParaRPr lang="ko-KR" altLang="en-US"/>
           </a:p>
@@ -3571,7 +3571,7 @@
           <a:p>
             <a:fld id="{9C6F2426-F011-4048-96E6-328581C59A1B}" type="datetimeFigureOut">
               <a:rPr lang="ko-KR" altLang="en-US" smtClean="0"/>
-              <a:t>2023-09-15</a:t>
+              <a:t>2024-01-31</a:t>
             </a:fld>
             <a:endParaRPr lang="ko-KR" altLang="en-US"/>
           </a:p>
@@ -3859,7 +3859,7 @@
           <a:p>
             <a:fld id="{9C6F2426-F011-4048-96E6-328581C59A1B}" type="datetimeFigureOut">
               <a:rPr lang="ko-KR" altLang="en-US" smtClean="0"/>
-              <a:t>2023-09-15</a:t>
+              <a:t>2024-01-31</a:t>
             </a:fld>
             <a:endParaRPr lang="ko-KR" altLang="en-US"/>
           </a:p>
@@ -4100,7 +4100,7 @@
           <a:p>
             <a:fld id="{9C6F2426-F011-4048-96E6-328581C59A1B}" type="datetimeFigureOut">
               <a:rPr lang="ko-KR" altLang="en-US" smtClean="0"/>
-              <a:t>2023-09-15</a:t>
+              <a:t>2024-01-31</a:t>
             </a:fld>
             <a:endParaRPr lang="ko-KR" altLang="en-US"/>
           </a:p>
@@ -4599,16 +4599,22 @@
               <a:rPr lang="ko-KR" altLang="en-US" b="1" dirty="0">
                 <a:latin typeface="Arial Rounded MT Bold" panose="020F0704030504030204" pitchFamily="34" charset="0"/>
               </a:rPr>
-              <a:t>스마트 팩토리 </a:t>
-            </a:r>
-            <a:r>
-              <a:rPr lang="en-US" altLang="ko-KR" b="1">
+              <a:t>스마트 </a:t>
+            </a:r>
+            <a:r>
+              <a:rPr lang="ko-KR" altLang="en-US" b="1">
                 <a:latin typeface="Arial Rounded MT Bold" panose="020F0704030504030204" pitchFamily="34" charset="0"/>
               </a:rPr>
-              <a:t>3</a:t>
-            </a:r>
-            <a:r>
-              <a:rPr lang="ko-KR" altLang="en-US" b="1">
+              <a:t>팩토리 </a:t>
+            </a:r>
+            <a:r>
+              <a:rPr lang="en-US" altLang="ko-KR" b="1" smtClean="0">
+                <a:latin typeface="Arial Rounded MT Bold" panose="020F0704030504030204" pitchFamily="34" charset="0"/>
+              </a:rPr>
+              <a:t>4</a:t>
+            </a:r>
+            <a:r>
+              <a:rPr lang="ko-KR" altLang="en-US" b="1" smtClean="0">
                 <a:latin typeface="Arial Rounded MT Bold" panose="020F0704030504030204" pitchFamily="34" charset="0"/>
               </a:rPr>
               <a:t>기</a:t>
@@ -6293,7 +6299,7 @@
         </p:nvGraphicFramePr>
         <p:xfrm>
           <a:off x="964322" y="1513488"/>
-          <a:ext cx="5625664" cy="1493520"/>
+          <a:ext cx="5625664" cy="1219200"/>
         </p:xfrm>
         <a:graphic>
           <a:graphicData uri="http://schemas.openxmlformats.org/drawingml/2006/table">
